--- a/00ppt/01-用脚手架工具创建项目学习Vuex的使用.pptx
+++ b/00ppt/01-用脚手架工具创建项目学习Vuex的使用.pptx
@@ -311,7 +311,7 @@
           <a:p>
             <a:fld id="{593DFD10-C36A-A44C-AC52-E91D9A58CF7E}" type="datetimeFigureOut">
               <a:rPr kumimoji="1" lang="zh-CN" altLang="en-US" smtClean="0"/>
-              <a:t>2021/2/26</a:t>
+              <a:t>2021/2/27</a:t>
             </a:fld>
             <a:endParaRPr kumimoji="1" lang="zh-CN" altLang="en-US"/>
           </a:p>
@@ -488,7 +488,7 @@
           <a:p>
             <a:fld id="{AEE7ACF5-0677-4CC5-89ED-AE83D3F5859D}" type="datetimeFigureOut">
               <a:rPr lang="zh-CN" altLang="en-US" smtClean="0"/>
-              <a:t>2021/2/26</a:t>
+              <a:t>2021/2/27</a:t>
             </a:fld>
             <a:endParaRPr lang="zh-CN" altLang="en-US"/>
           </a:p>
@@ -21772,7 +21772,7 @@
                 <a:ea typeface="Alibaba PuHuiTi B"/>
                 <a:cs typeface="+mn-cs"/>
               </a:rPr>
-              <a:t>{{$store.status.num}}</a:t>
+              <a:t>{{$store.state.num}}</a:t>
             </a:r>
           </a:p>
           <a:p>
@@ -21841,7 +21841,7 @@
                 <a:ea typeface="Alibaba PuHuiTi B"/>
                 <a:cs typeface="+mn-cs"/>
               </a:rPr>
-              <a:t>this.$store.status.num</a:t>
+              <a:t>this.$store.state.num</a:t>
             </a:r>
             <a:endParaRPr kumimoji="0" lang="zh-CN" altLang="en-US" sz="1800" b="0" i="0" u="none" strike="noStrike" kern="1200" cap="none" spc="0" normalizeH="0" baseline="0" noProof="0">
               <a:ln>
@@ -22178,7 +22178,7 @@
         </p:nvSpPr>
         <p:spPr>
           <a:xfrm>
-            <a:off x="6305106" y="4475004"/>
+            <a:off x="3064757" y="5069808"/>
             <a:ext cx="5303605" cy="640515"/>
           </a:xfrm>
           <a:prstGeom prst="rect">
@@ -25063,7 +25063,7 @@
             </a:r>
             <a:r>
               <a:rPr lang="zh-CN" altLang="en-US"/>
-              <a:t>用它来提供数据</a:t>
+              <a:t>中用它来提供数据</a:t>
             </a:r>
             <a:endParaRPr lang="en-US" altLang="zh-CN"/>
           </a:p>
@@ -41300,7 +41300,7 @@
         <p:spPr>
           <a:xfrm>
             <a:off x="710880" y="940081"/>
-            <a:ext cx="3420853" cy="4871439"/>
+            <a:ext cx="5183893" cy="4871439"/>
           </a:xfrm>
         </p:spPr>
         <p:txBody>
@@ -41320,6 +41320,43 @@
               <a:t>来创建项目</a:t>
             </a:r>
             <a:endParaRPr lang="en-US" altLang="zh-CN" sz="1800" b="1"/>
+          </a:p>
+          <a:p>
+            <a:pPr marL="285750" indent="-285750">
+              <a:buFont typeface="Wingdings" panose="05000000000000000000" pitchFamily="2" charset="2"/>
+              <a:buChar char="Ø"/>
+            </a:pPr>
+            <a:r>
+              <a:rPr lang="zh-CN" altLang="en-US"/>
+              <a:t>小项目不需要用</a:t>
+            </a:r>
+            <a:r>
+              <a:rPr lang="en-US" altLang="zh-CN"/>
+              <a:t>vuex; </a:t>
+            </a:r>
+          </a:p>
+          <a:p>
+            <a:pPr marL="285750" indent="-285750">
+              <a:buFont typeface="Wingdings" panose="05000000000000000000" pitchFamily="2" charset="2"/>
+              <a:buChar char="Ø"/>
+            </a:pPr>
+            <a:r>
+              <a:rPr lang="en-US" altLang="zh-CN"/>
+              <a:t>vuex</a:t>
+            </a:r>
+            <a:r>
+              <a:rPr lang="zh-CN" altLang="en-US"/>
+              <a:t>的下载安装操作过程已经集成在</a:t>
+            </a:r>
+            <a:r>
+              <a:rPr lang="en-US" altLang="zh-CN"/>
+              <a:t>vuecli</a:t>
+            </a:r>
+            <a:r>
+              <a:rPr lang="zh-CN" altLang="en-US"/>
+              <a:t>工具中</a:t>
+            </a:r>
+            <a:endParaRPr lang="en-US" altLang="zh-CN"/>
           </a:p>
           <a:p>
             <a:pPr marL="0" indent="0">
@@ -41508,10 +41545,10 @@
       </p:sp>
       <p:pic>
         <p:nvPicPr>
-          <p:cNvPr id="7" name="图片 6">
+          <p:cNvPr id="5" name="图片 4">
             <a:extLst>
               <a:ext uri="{FF2B5EF4-FFF2-40B4-BE49-F238E27FC236}">
-                <a16:creationId xmlns:a16="http://schemas.microsoft.com/office/drawing/2014/main" id="{514849C6-DEFE-4043-B4C6-D180D86415BA}"/>
+                <a16:creationId xmlns:a16="http://schemas.microsoft.com/office/drawing/2014/main" id="{A1FFB74F-5100-4FAD-A7D6-A3825E027B04}"/>
               </a:ext>
             </a:extLst>
           </p:cNvPr>
@@ -41528,8 +41565,128 @@
         </p:blipFill>
         <p:spPr>
           <a:xfrm>
-            <a:off x="6096000" y="2104654"/>
-            <a:ext cx="5344679" cy="3035517"/>
+            <a:off x="5860819" y="2548384"/>
+            <a:ext cx="3589331" cy="1828958"/>
+          </a:xfrm>
+          <a:prstGeom prst="rect">
+            <a:avLst/>
+          </a:prstGeom>
+        </p:spPr>
+      </p:pic>
+      <p:pic>
+        <p:nvPicPr>
+          <p:cNvPr id="9" name="图片 8">
+            <a:extLst>
+              <a:ext uri="{FF2B5EF4-FFF2-40B4-BE49-F238E27FC236}">
+                <a16:creationId xmlns:a16="http://schemas.microsoft.com/office/drawing/2014/main" id="{A21BE5C3-5B28-421C-890A-EF18A09C4416}"/>
+              </a:ext>
+            </a:extLst>
+          </p:cNvPr>
+          <p:cNvPicPr>
+            <a:picLocks noChangeAspect="1"/>
+          </p:cNvPicPr>
+          <p:nvPr/>
+        </p:nvPicPr>
+        <p:blipFill>
+          <a:blip r:embed="rId3"/>
+          <a:stretch>
+            <a:fillRect/>
+          </a:stretch>
+        </p:blipFill>
+        <p:spPr>
+          <a:xfrm>
+            <a:off x="5894773" y="872036"/>
+            <a:ext cx="3254022" cy="236240"/>
+          </a:xfrm>
+          <a:prstGeom prst="rect">
+            <a:avLst/>
+          </a:prstGeom>
+        </p:spPr>
+      </p:pic>
+      <p:pic>
+        <p:nvPicPr>
+          <p:cNvPr id="11" name="图片 10">
+            <a:extLst>
+              <a:ext uri="{FF2B5EF4-FFF2-40B4-BE49-F238E27FC236}">
+                <a16:creationId xmlns:a16="http://schemas.microsoft.com/office/drawing/2014/main" id="{DB65A90F-3407-45CF-9CF2-EED24A16AEDA}"/>
+              </a:ext>
+            </a:extLst>
+          </p:cNvPr>
+          <p:cNvPicPr>
+            <a:picLocks noChangeAspect="1"/>
+          </p:cNvPicPr>
+          <p:nvPr/>
+        </p:nvPicPr>
+        <p:blipFill>
+          <a:blip r:embed="rId4"/>
+          <a:stretch>
+            <a:fillRect/>
+          </a:stretch>
+        </p:blipFill>
+        <p:spPr>
+          <a:xfrm>
+            <a:off x="5860819" y="1253746"/>
+            <a:ext cx="4198984" cy="1173582"/>
+          </a:xfrm>
+          <a:prstGeom prst="rect">
+            <a:avLst/>
+          </a:prstGeom>
+        </p:spPr>
+      </p:pic>
+      <p:pic>
+        <p:nvPicPr>
+          <p:cNvPr id="13" name="图片 12">
+            <a:extLst>
+              <a:ext uri="{FF2B5EF4-FFF2-40B4-BE49-F238E27FC236}">
+                <a16:creationId xmlns:a16="http://schemas.microsoft.com/office/drawing/2014/main" id="{A9473D13-44D7-4950-938B-F8037E06F7D1}"/>
+              </a:ext>
+            </a:extLst>
+          </p:cNvPr>
+          <p:cNvPicPr>
+            <a:picLocks noChangeAspect="1"/>
+          </p:cNvPicPr>
+          <p:nvPr/>
+        </p:nvPicPr>
+        <p:blipFill>
+          <a:blip r:embed="rId5"/>
+          <a:stretch>
+            <a:fillRect/>
+          </a:stretch>
+        </p:blipFill>
+        <p:spPr>
+          <a:xfrm>
+            <a:off x="5860819" y="4537448"/>
+            <a:ext cx="6622354" cy="472481"/>
+          </a:xfrm>
+          <a:prstGeom prst="rect">
+            <a:avLst/>
+          </a:prstGeom>
+        </p:spPr>
+      </p:pic>
+      <p:pic>
+        <p:nvPicPr>
+          <p:cNvPr id="15" name="图片 14">
+            <a:extLst>
+              <a:ext uri="{FF2B5EF4-FFF2-40B4-BE49-F238E27FC236}">
+                <a16:creationId xmlns:a16="http://schemas.microsoft.com/office/drawing/2014/main" id="{266F44D5-E6EA-4507-ACC0-520C2CA0E936}"/>
+              </a:ext>
+            </a:extLst>
+          </p:cNvPr>
+          <p:cNvPicPr>
+            <a:picLocks noChangeAspect="1"/>
+          </p:cNvPicPr>
+          <p:nvPr/>
+        </p:nvPicPr>
+        <p:blipFill>
+          <a:blip r:embed="rId6"/>
+          <a:stretch>
+            <a:fillRect/>
+          </a:stretch>
+        </p:blipFill>
+        <p:spPr>
+          <a:xfrm>
+            <a:off x="5860819" y="5202134"/>
+            <a:ext cx="6187976" cy="541067"/>
           </a:xfrm>
           <a:prstGeom prst="rect">
             <a:avLst/>
@@ -47395,7 +47552,7 @@
                   <a:srgbClr val="AD2B26"/>
                 </a:solidFill>
               </a:rPr>
-              <a:t>vue</a:t>
+              <a:t>vuex</a:t>
             </a:r>
             <a:r>
               <a:rPr lang="zh-CN" altLang="en-US">
@@ -51014,7 +51171,7 @@
                 <a:ea typeface="黑体"/>
                 <a:cs typeface="+mn-cs"/>
               </a:rPr>
-              <a:t>将数据保存在</a:t>
+              <a:t>将多个组件之间共享的数据保存在</a:t>
             </a:r>
             <a:r>
               <a:rPr kumimoji="0" lang="en-US" altLang="zh-CN" sz="1800" b="0" i="0" u="none" strike="noStrike" kern="1200" cap="none" spc="0" normalizeH="0" baseline="0" noProof="0">
@@ -51389,7 +51546,7 @@
         </p:nvSpPr>
         <p:spPr>
           <a:xfrm>
-            <a:off x="8671543" y="3420324"/>
+            <a:off x="8521033" y="3220620"/>
             <a:ext cx="581894" cy="461665"/>
           </a:xfrm>
           <a:prstGeom prst="rect">
@@ -51457,7 +51614,7 @@
         </p:nvSpPr>
         <p:spPr>
           <a:xfrm>
-            <a:off x="8671543" y="4407550"/>
+            <a:off x="8505936" y="4179280"/>
             <a:ext cx="581894" cy="461665"/>
           </a:xfrm>
           <a:prstGeom prst="rect">
@@ -51525,7 +51682,7 @@
         </p:nvSpPr>
         <p:spPr>
           <a:xfrm>
-            <a:off x="8671543" y="4938285"/>
+            <a:off x="8521033" y="4914166"/>
             <a:ext cx="581894" cy="461665"/>
           </a:xfrm>
           <a:prstGeom prst="rect">

--- a/00ppt/01-用脚手架工具创建项目学习Vuex的使用.pptx
+++ b/00ppt/01-用脚手架工具创建项目学习Vuex的使用.pptx
@@ -46175,8 +46175,8 @@
         </p:blipFill>
         <p:spPr>
           <a:xfrm>
-            <a:off x="7990857" y="1098343"/>
-            <a:ext cx="3490262" cy="4915326"/>
+            <a:off x="6551628" y="1077846"/>
+            <a:ext cx="3825819" cy="5387890"/>
           </a:xfrm>
           <a:prstGeom prst="rect">
             <a:avLst/>
@@ -46390,7 +46390,7 @@
         </p:blipFill>
         <p:spPr>
           <a:xfrm>
-            <a:off x="8204760" y="1198676"/>
+            <a:off x="6096000" y="751219"/>
             <a:ext cx="3276359" cy="5242173"/>
           </a:xfrm>
           <a:prstGeom prst="rect">
